--- a/Presentation.pptx
+++ b/Presentation.pptx
@@ -109,6 +109,11 @@
       </a:defRPr>
     </a:lvl9pPr>
   </p:defaultTextStyle>
+  <p:extLst>
+    <p:ext uri="{EFAFB233-063F-42B5-8137-9DF3F51BA10A}">
+      <p15:sldGuideLst xmlns:p15="http://schemas.microsoft.com/office/powerpoint/2012/main"/>
+    </p:ext>
+  </p:extLst>
 </p:presentation>
 </file>
 
@@ -3541,8 +3546,12 @@
           <a:lstStyle/>
           <a:p>
             <a:r>
+              <a:rPr lang="en-US" dirty="0"/>
+              <a:t>6</a:t>
+            </a:r>
+            <a:r>
               <a:rPr lang="en-US" noProof="0" dirty="0"/>
-              <a:t>3. 5. 2025</a:t>
+              <a:t>. 5. 2025</a:t>
             </a:r>
           </a:p>
         </p:txBody>
@@ -3931,7 +3940,7 @@
             <a:pPr lvl="1"/>
             <a:r>
               <a:rPr lang="en-US" noProof="0" dirty="0"/>
-              <a:t>Up to 3 2D Convolutional NN followed by MaxPooling2D</a:t>
+              <a:t>Up to three 2D Convolutional NN followed by MaxPooling2D</a:t>
             </a:r>
           </a:p>
           <a:p>
@@ -3969,23 +3978,19 @@
           <a:p>
             <a:pPr lvl="1"/>
             <a:r>
-              <a:rPr lang="en-US" noProof="0" dirty="0"/>
-              <a:t>Parameters and enabling layers based on </a:t>
-            </a:r>
-            <a:r>
               <a:rPr lang="en-US" noProof="0" dirty="0" err="1"/>
               <a:t>Keras</a:t>
             </a:r>
             <a:r>
               <a:rPr lang="en-US" noProof="0" dirty="0"/>
-              <a:t> Tuner result</a:t>
+              <a:t> Tuner parameters:</a:t>
             </a:r>
           </a:p>
           <a:p>
             <a:pPr lvl="2"/>
             <a:r>
               <a:rPr lang="en-US" noProof="0" dirty="0"/>
-              <a:t>Filters, kernel size</a:t>
+              <a:t>Filters, kernel size, number of hidden layers, number of neurons in hidden layers, learning rate</a:t>
             </a:r>
           </a:p>
           <a:p>
@@ -4073,7 +4078,12 @@
             <p:ph idx="1"/>
           </p:nvPr>
         </p:nvSpPr>
-        <p:spPr/>
+        <p:spPr>
+          <a:xfrm>
+            <a:off x="838200" y="1439731"/>
+            <a:ext cx="10515600" cy="4351338"/>
+          </a:xfrm>
+        </p:spPr>
         <p:txBody>
           <a:bodyPr/>
           <a:lstStyle/>
@@ -4086,19 +4096,23 @@
           <a:p>
             <a:pPr lvl="1"/>
             <a:r>
+              <a:rPr lang="en-US" noProof="0" dirty="0"/>
+              <a:t>The best 5 </a:t>
+            </a:r>
+            <a:r>
               <a:rPr lang="en-US" noProof="0" dirty="0" err="1"/>
               <a:t>Keras</a:t>
             </a:r>
             <a:r>
               <a:rPr lang="en-US" noProof="0" dirty="0"/>
-              <a:t> Tuner model with least trainable parameters was chosen</a:t>
+              <a:t> Tuner models were picked (based on validation accuracy), and the one with the least trainable parameters was chosen</a:t>
             </a:r>
           </a:p>
           <a:p>
             <a:pPr lvl="2"/>
             <a:r>
               <a:rPr lang="en-US" noProof="0" dirty="0"/>
-              <a:t>Memory optimalization</a:t>
+              <a:t>Memory optimization</a:t>
             </a:r>
           </a:p>
           <a:p>
@@ -4267,51 +4281,18 @@
           <a:lstStyle/>
           <a:p>
             <a:r>
-              <a:rPr lang="cs-CZ" dirty="0" err="1"/>
-              <a:t>Final</a:t>
-            </a:r>
-            <a:r>
-              <a:rPr lang="cs-CZ" dirty="0"/>
-              <a:t> model </a:t>
-            </a:r>
-            <a:r>
-              <a:rPr lang="cs-CZ" dirty="0" err="1"/>
-              <a:t>accuarcy</a:t>
-            </a:r>
-            <a:r>
-              <a:rPr lang="cs-CZ" dirty="0"/>
-              <a:t> </a:t>
-            </a:r>
-            <a:r>
-              <a:rPr lang="cs-CZ" dirty="0" err="1"/>
-              <a:t>of</a:t>
-            </a:r>
-            <a:r>
-              <a:rPr lang="cs-CZ" dirty="0"/>
-              <a:t> 99.116% (119 out </a:t>
-            </a:r>
-            <a:r>
-              <a:rPr lang="cs-CZ" dirty="0" err="1"/>
-              <a:t>of</a:t>
-            </a:r>
-            <a:r>
-              <a:rPr lang="cs-CZ" dirty="0"/>
-              <a:t> 120 test </a:t>
-            </a:r>
-            <a:r>
-              <a:rPr lang="cs-CZ" dirty="0" err="1"/>
-              <a:t>samples</a:t>
-            </a:r>
-            <a:r>
-              <a:rPr lang="cs-CZ" dirty="0"/>
-              <a:t>)</a:t>
-            </a:r>
-          </a:p>
-          <a:p>
-            <a:endParaRPr lang="cs-CZ" dirty="0"/>
-          </a:p>
-          <a:p>
-            <a:endParaRPr lang="en-GB" dirty="0"/>
+              <a:rPr lang="en-US" noProof="0" dirty="0"/>
+              <a:t>Final model accuracy of 99.116% (119 out of 120 test samples)</a:t>
+            </a:r>
+          </a:p>
+          <a:p>
+            <a:r>
+              <a:rPr lang="en-US" noProof="0" dirty="0"/>
+              <a:t>By choosing between several best models, it is guaranteed that the picked model is the simplest one (memory efficient)</a:t>
+            </a:r>
+          </a:p>
+          <a:p>
+            <a:endParaRPr lang="en-US" noProof="0" dirty="0"/>
           </a:p>
         </p:txBody>
       </p:sp>

--- a/Presentation.pptx
+++ b/Presentation.pptx
@@ -4,6 +4,9 @@
   <p:sldMasterIdLst>
     <p:sldMasterId id="2147483648" r:id="rId1"/>
   </p:sldMasterIdLst>
+  <p:notesMasterIdLst>
+    <p:notesMasterId r:id="rId8"/>
+  </p:notesMasterIdLst>
   <p:sldIdLst>
     <p:sldId id="256" r:id="rId2"/>
     <p:sldId id="257" r:id="rId3"/>
@@ -115,6 +118,440 @@
     </p:ext>
   </p:extLst>
 </p:presentation>
+</file>
+
+<file path=ppt/notesMasters/notesMaster1.xml><?xml version="1.0" encoding="utf-8"?>
+<p:notesMaster xmlns:a="http://schemas.openxmlformats.org/drawingml/2006/main" xmlns:r="http://schemas.openxmlformats.org/officeDocument/2006/relationships" xmlns:p="http://schemas.openxmlformats.org/presentationml/2006/main">
+  <p:cSld>
+    <p:bg>
+      <p:bgRef idx="1001">
+        <a:schemeClr val="bg1"/>
+      </p:bgRef>
+    </p:bg>
+    <p:spTree>
+      <p:nvGrpSpPr>
+        <p:cNvPr id="1" name=""/>
+        <p:cNvGrpSpPr/>
+        <p:nvPr/>
+      </p:nvGrpSpPr>
+      <p:grpSpPr>
+        <a:xfrm>
+          <a:off x="0" y="0"/>
+          <a:ext cx="0" cy="0"/>
+          <a:chOff x="0" y="0"/>
+          <a:chExt cx="0" cy="0"/>
+        </a:xfrm>
+      </p:grpSpPr>
+      <p:sp>
+        <p:nvSpPr>
+          <p:cNvPr id="2" name="Header Placeholder 1"/>
+          <p:cNvSpPr>
+            <a:spLocks noGrp="1"/>
+          </p:cNvSpPr>
+          <p:nvPr>
+            <p:ph type="hdr" sz="quarter"/>
+          </p:nvPr>
+        </p:nvSpPr>
+        <p:spPr>
+          <a:xfrm>
+            <a:off x="0" y="0"/>
+            <a:ext cx="2971800" cy="458788"/>
+          </a:xfrm>
+          <a:prstGeom prst="rect">
+            <a:avLst/>
+          </a:prstGeom>
+        </p:spPr>
+        <p:txBody>
+          <a:bodyPr vert="horz" lIns="91440" tIns="45720" rIns="91440" bIns="45720" rtlCol="0"/>
+          <a:lstStyle>
+            <a:lvl1pPr algn="l">
+              <a:defRPr sz="1200"/>
+            </a:lvl1pPr>
+          </a:lstStyle>
+          <a:p>
+            <a:endParaRPr lang="en-GB"/>
+          </a:p>
+        </p:txBody>
+      </p:sp>
+      <p:sp>
+        <p:nvSpPr>
+          <p:cNvPr id="3" name="Date Placeholder 2"/>
+          <p:cNvSpPr>
+            <a:spLocks noGrp="1"/>
+          </p:cNvSpPr>
+          <p:nvPr>
+            <p:ph type="dt" idx="1"/>
+          </p:nvPr>
+        </p:nvSpPr>
+        <p:spPr>
+          <a:xfrm>
+            <a:off x="3884613" y="0"/>
+            <a:ext cx="2971800" cy="458788"/>
+          </a:xfrm>
+          <a:prstGeom prst="rect">
+            <a:avLst/>
+          </a:prstGeom>
+        </p:spPr>
+        <p:txBody>
+          <a:bodyPr vert="horz" lIns="91440" tIns="45720" rIns="91440" bIns="45720" rtlCol="0"/>
+          <a:lstStyle>
+            <a:lvl1pPr algn="r">
+              <a:defRPr sz="1200"/>
+            </a:lvl1pPr>
+          </a:lstStyle>
+          <a:p>
+            <a:fld id="{55101FA6-4A37-46D4-AA86-FCA7CE940B5B}" type="datetimeFigureOut">
+              <a:rPr lang="en-GB" smtClean="0"/>
+              <a:t>04/05/2025</a:t>
+            </a:fld>
+            <a:endParaRPr lang="en-GB"/>
+          </a:p>
+        </p:txBody>
+      </p:sp>
+      <p:sp>
+        <p:nvSpPr>
+          <p:cNvPr id="4" name="Slide Image Placeholder 3"/>
+          <p:cNvSpPr>
+            <a:spLocks noGrp="1" noRot="1" noChangeAspect="1"/>
+          </p:cNvSpPr>
+          <p:nvPr>
+            <p:ph type="sldImg" idx="2"/>
+          </p:nvPr>
+        </p:nvSpPr>
+        <p:spPr>
+          <a:xfrm>
+            <a:off x="685800" y="1143000"/>
+            <a:ext cx="5486400" cy="3086100"/>
+          </a:xfrm>
+          <a:prstGeom prst="rect">
+            <a:avLst/>
+          </a:prstGeom>
+          <a:noFill/>
+          <a:ln w="12700">
+            <a:solidFill>
+              <a:prstClr val="black"/>
+            </a:solidFill>
+          </a:ln>
+        </p:spPr>
+        <p:txBody>
+          <a:bodyPr vert="horz" lIns="91440" tIns="45720" rIns="91440" bIns="45720" rtlCol="0" anchor="ctr"/>
+          <a:lstStyle/>
+          <a:p>
+            <a:endParaRPr lang="en-GB"/>
+          </a:p>
+        </p:txBody>
+      </p:sp>
+      <p:sp>
+        <p:nvSpPr>
+          <p:cNvPr id="5" name="Notes Placeholder 4"/>
+          <p:cNvSpPr>
+            <a:spLocks noGrp="1"/>
+          </p:cNvSpPr>
+          <p:nvPr>
+            <p:ph type="body" sz="quarter" idx="3"/>
+          </p:nvPr>
+        </p:nvSpPr>
+        <p:spPr>
+          <a:xfrm>
+            <a:off x="685800" y="4400550"/>
+            <a:ext cx="5486400" cy="3600450"/>
+          </a:xfrm>
+          <a:prstGeom prst="rect">
+            <a:avLst/>
+          </a:prstGeom>
+        </p:spPr>
+        <p:txBody>
+          <a:bodyPr vert="horz" lIns="91440" tIns="45720" rIns="91440" bIns="45720" rtlCol="0"/>
+          <a:lstStyle/>
+          <a:p>
+            <a:pPr lvl="0"/>
+            <a:r>
+              <a:rPr lang="en-US"/>
+              <a:t>Click to edit Master text styles</a:t>
+            </a:r>
+          </a:p>
+          <a:p>
+            <a:pPr lvl="1"/>
+            <a:r>
+              <a:rPr lang="en-US"/>
+              <a:t>Second level</a:t>
+            </a:r>
+          </a:p>
+          <a:p>
+            <a:pPr lvl="2"/>
+            <a:r>
+              <a:rPr lang="en-US"/>
+              <a:t>Third level</a:t>
+            </a:r>
+          </a:p>
+          <a:p>
+            <a:pPr lvl="3"/>
+            <a:r>
+              <a:rPr lang="en-US"/>
+              <a:t>Fourth level</a:t>
+            </a:r>
+          </a:p>
+          <a:p>
+            <a:pPr lvl="4"/>
+            <a:r>
+              <a:rPr lang="en-US"/>
+              <a:t>Fifth level</a:t>
+            </a:r>
+            <a:endParaRPr lang="en-GB"/>
+          </a:p>
+        </p:txBody>
+      </p:sp>
+      <p:sp>
+        <p:nvSpPr>
+          <p:cNvPr id="6" name="Footer Placeholder 5"/>
+          <p:cNvSpPr>
+            <a:spLocks noGrp="1"/>
+          </p:cNvSpPr>
+          <p:nvPr>
+            <p:ph type="ftr" sz="quarter" idx="4"/>
+          </p:nvPr>
+        </p:nvSpPr>
+        <p:spPr>
+          <a:xfrm>
+            <a:off x="0" y="8685213"/>
+            <a:ext cx="2971800" cy="458787"/>
+          </a:xfrm>
+          <a:prstGeom prst="rect">
+            <a:avLst/>
+          </a:prstGeom>
+        </p:spPr>
+        <p:txBody>
+          <a:bodyPr vert="horz" lIns="91440" tIns="45720" rIns="91440" bIns="45720" rtlCol="0" anchor="b"/>
+          <a:lstStyle>
+            <a:lvl1pPr algn="l">
+              <a:defRPr sz="1200"/>
+            </a:lvl1pPr>
+          </a:lstStyle>
+          <a:p>
+            <a:endParaRPr lang="en-GB"/>
+          </a:p>
+        </p:txBody>
+      </p:sp>
+      <p:sp>
+        <p:nvSpPr>
+          <p:cNvPr id="7" name="Slide Number Placeholder 6"/>
+          <p:cNvSpPr>
+            <a:spLocks noGrp="1"/>
+          </p:cNvSpPr>
+          <p:nvPr>
+            <p:ph type="sldNum" sz="quarter" idx="5"/>
+          </p:nvPr>
+        </p:nvSpPr>
+        <p:spPr>
+          <a:xfrm>
+            <a:off x="3884613" y="8685213"/>
+            <a:ext cx="2971800" cy="458787"/>
+          </a:xfrm>
+          <a:prstGeom prst="rect">
+            <a:avLst/>
+          </a:prstGeom>
+        </p:spPr>
+        <p:txBody>
+          <a:bodyPr vert="horz" lIns="91440" tIns="45720" rIns="91440" bIns="45720" rtlCol="0" anchor="b"/>
+          <a:lstStyle>
+            <a:lvl1pPr algn="r">
+              <a:defRPr sz="1200"/>
+            </a:lvl1pPr>
+          </a:lstStyle>
+          <a:p>
+            <a:fld id="{5356F2DB-2F85-4BBD-9052-5E5C1A0DC58B}" type="slidenum">
+              <a:rPr lang="en-GB" smtClean="0"/>
+              <a:t>‹#›</a:t>
+            </a:fld>
+            <a:endParaRPr lang="en-GB"/>
+          </a:p>
+        </p:txBody>
+      </p:sp>
+    </p:spTree>
+    <p:extLst>
+      <p:ext uri="{BB962C8B-B14F-4D97-AF65-F5344CB8AC3E}">
+        <p14:creationId xmlns:p14="http://schemas.microsoft.com/office/powerpoint/2010/main" val="806460671"/>
+      </p:ext>
+    </p:extLst>
+  </p:cSld>
+  <p:clrMap bg1="lt1" tx1="dk1" bg2="lt2" tx2="dk2" accent1="accent1" accent2="accent2" accent3="accent3" accent4="accent4" accent5="accent5" accent6="accent6" hlink="hlink" folHlink="folHlink"/>
+  <p:notesStyle>
+    <a:lvl1pPr marL="0" algn="l" defTabSz="914400" rtl="0" eaLnBrk="1" latinLnBrk="0" hangingPunct="1">
+      <a:defRPr sz="1200" kern="1200">
+        <a:solidFill>
+          <a:schemeClr val="tx1"/>
+        </a:solidFill>
+        <a:latin typeface="+mn-lt"/>
+        <a:ea typeface="+mn-ea"/>
+        <a:cs typeface="+mn-cs"/>
+      </a:defRPr>
+    </a:lvl1pPr>
+    <a:lvl2pPr marL="457200" algn="l" defTabSz="914400" rtl="0" eaLnBrk="1" latinLnBrk="0" hangingPunct="1">
+      <a:defRPr sz="1200" kern="1200">
+        <a:solidFill>
+          <a:schemeClr val="tx1"/>
+        </a:solidFill>
+        <a:latin typeface="+mn-lt"/>
+        <a:ea typeface="+mn-ea"/>
+        <a:cs typeface="+mn-cs"/>
+      </a:defRPr>
+    </a:lvl2pPr>
+    <a:lvl3pPr marL="914400" algn="l" defTabSz="914400" rtl="0" eaLnBrk="1" latinLnBrk="0" hangingPunct="1">
+      <a:defRPr sz="1200" kern="1200">
+        <a:solidFill>
+          <a:schemeClr val="tx1"/>
+        </a:solidFill>
+        <a:latin typeface="+mn-lt"/>
+        <a:ea typeface="+mn-ea"/>
+        <a:cs typeface="+mn-cs"/>
+      </a:defRPr>
+    </a:lvl3pPr>
+    <a:lvl4pPr marL="1371600" algn="l" defTabSz="914400" rtl="0" eaLnBrk="1" latinLnBrk="0" hangingPunct="1">
+      <a:defRPr sz="1200" kern="1200">
+        <a:solidFill>
+          <a:schemeClr val="tx1"/>
+        </a:solidFill>
+        <a:latin typeface="+mn-lt"/>
+        <a:ea typeface="+mn-ea"/>
+        <a:cs typeface="+mn-cs"/>
+      </a:defRPr>
+    </a:lvl4pPr>
+    <a:lvl5pPr marL="1828800" algn="l" defTabSz="914400" rtl="0" eaLnBrk="1" latinLnBrk="0" hangingPunct="1">
+      <a:defRPr sz="1200" kern="1200">
+        <a:solidFill>
+          <a:schemeClr val="tx1"/>
+        </a:solidFill>
+        <a:latin typeface="+mn-lt"/>
+        <a:ea typeface="+mn-ea"/>
+        <a:cs typeface="+mn-cs"/>
+      </a:defRPr>
+    </a:lvl5pPr>
+    <a:lvl6pPr marL="2286000" algn="l" defTabSz="914400" rtl="0" eaLnBrk="1" latinLnBrk="0" hangingPunct="1">
+      <a:defRPr sz="1200" kern="1200">
+        <a:solidFill>
+          <a:schemeClr val="tx1"/>
+        </a:solidFill>
+        <a:latin typeface="+mn-lt"/>
+        <a:ea typeface="+mn-ea"/>
+        <a:cs typeface="+mn-cs"/>
+      </a:defRPr>
+    </a:lvl6pPr>
+    <a:lvl7pPr marL="2743200" algn="l" defTabSz="914400" rtl="0" eaLnBrk="1" latinLnBrk="0" hangingPunct="1">
+      <a:defRPr sz="1200" kern="1200">
+        <a:solidFill>
+          <a:schemeClr val="tx1"/>
+        </a:solidFill>
+        <a:latin typeface="+mn-lt"/>
+        <a:ea typeface="+mn-ea"/>
+        <a:cs typeface="+mn-cs"/>
+      </a:defRPr>
+    </a:lvl7pPr>
+    <a:lvl8pPr marL="3200400" algn="l" defTabSz="914400" rtl="0" eaLnBrk="1" latinLnBrk="0" hangingPunct="1">
+      <a:defRPr sz="1200" kern="1200">
+        <a:solidFill>
+          <a:schemeClr val="tx1"/>
+        </a:solidFill>
+        <a:latin typeface="+mn-lt"/>
+        <a:ea typeface="+mn-ea"/>
+        <a:cs typeface="+mn-cs"/>
+      </a:defRPr>
+    </a:lvl8pPr>
+    <a:lvl9pPr marL="3657600" algn="l" defTabSz="914400" rtl="0" eaLnBrk="1" latinLnBrk="0" hangingPunct="1">
+      <a:defRPr sz="1200" kern="1200">
+        <a:solidFill>
+          <a:schemeClr val="tx1"/>
+        </a:solidFill>
+        <a:latin typeface="+mn-lt"/>
+        <a:ea typeface="+mn-ea"/>
+        <a:cs typeface="+mn-cs"/>
+      </a:defRPr>
+    </a:lvl9pPr>
+  </p:notesStyle>
+</p:notesMaster>
+</file>
+
+<file path=ppt/notesSlides/notesSlide1.xml><?xml version="1.0" encoding="utf-8"?>
+<p:notes xmlns:a="http://schemas.openxmlformats.org/drawingml/2006/main" xmlns:r="http://schemas.openxmlformats.org/officeDocument/2006/relationships" xmlns:p="http://schemas.openxmlformats.org/presentationml/2006/main">
+  <p:cSld>
+    <p:spTree>
+      <p:nvGrpSpPr>
+        <p:cNvPr id="1" name=""/>
+        <p:cNvGrpSpPr/>
+        <p:nvPr/>
+      </p:nvGrpSpPr>
+      <p:grpSpPr>
+        <a:xfrm>
+          <a:off x="0" y="0"/>
+          <a:ext cx="0" cy="0"/>
+          <a:chOff x="0" y="0"/>
+          <a:chExt cx="0" cy="0"/>
+        </a:xfrm>
+      </p:grpSpPr>
+      <p:sp>
+        <p:nvSpPr>
+          <p:cNvPr id="2" name="Slide Image Placeholder 1"/>
+          <p:cNvSpPr>
+            <a:spLocks noGrp="1" noRot="1" noChangeAspect="1"/>
+          </p:cNvSpPr>
+          <p:nvPr>
+            <p:ph type="sldImg"/>
+          </p:nvPr>
+        </p:nvSpPr>
+        <p:spPr/>
+      </p:sp>
+      <p:sp>
+        <p:nvSpPr>
+          <p:cNvPr id="3" name="Notes Placeholder 2"/>
+          <p:cNvSpPr>
+            <a:spLocks noGrp="1"/>
+          </p:cNvSpPr>
+          <p:nvPr>
+            <p:ph type="body" idx="1"/>
+          </p:nvPr>
+        </p:nvSpPr>
+        <p:spPr/>
+        <p:txBody>
+          <a:bodyPr/>
+          <a:lstStyle/>
+          <a:p>
+            <a:endParaRPr lang="en-GB" dirty="0"/>
+          </a:p>
+        </p:txBody>
+      </p:sp>
+      <p:sp>
+        <p:nvSpPr>
+          <p:cNvPr id="4" name="Slide Number Placeholder 3"/>
+          <p:cNvSpPr>
+            <a:spLocks noGrp="1"/>
+          </p:cNvSpPr>
+          <p:nvPr>
+            <p:ph type="sldNum" sz="quarter" idx="5"/>
+          </p:nvPr>
+        </p:nvSpPr>
+        <p:spPr/>
+        <p:txBody>
+          <a:bodyPr/>
+          <a:lstStyle/>
+          <a:p>
+            <a:fld id="{5356F2DB-2F85-4BBD-9052-5E5C1A0DC58B}" type="slidenum">
+              <a:rPr lang="en-GB" smtClean="0"/>
+              <a:t>2</a:t>
+            </a:fld>
+            <a:endParaRPr lang="en-GB"/>
+          </a:p>
+        </p:txBody>
+      </p:sp>
+    </p:spTree>
+    <p:extLst>
+      <p:ext uri="{BB962C8B-B14F-4D97-AF65-F5344CB8AC3E}">
+        <p14:creationId xmlns:p14="http://schemas.microsoft.com/office/powerpoint/2010/main" val="2006068393"/>
+      </p:ext>
+    </p:extLst>
+  </p:cSld>
+  <p:clrMapOvr>
+    <a:masterClrMapping/>
+  </p:clrMapOvr>
+</p:notes>
 </file>
 
 <file path=ppt/slideLayouts/slideLayout1.xml><?xml version="1.0" encoding="utf-8"?>
@@ -3586,6 +4023,99 @@
           <a:chExt cx="0" cy="0"/>
         </a:xfrm>
       </p:grpSpPr>
+      <p:pic>
+        <p:nvPicPr>
+          <p:cNvPr id="4" name="Picture 3">
+            <a:extLst>
+              <a:ext uri="{FF2B5EF4-FFF2-40B4-BE49-F238E27FC236}">
+                <a16:creationId xmlns:a16="http://schemas.microsoft.com/office/drawing/2014/main" id="{D2DCABD7-208E-409F-C199-B16E5EA74116}"/>
+              </a:ext>
+            </a:extLst>
+          </p:cNvPr>
+          <p:cNvPicPr>
+            <a:picLocks noChangeAspect="1"/>
+          </p:cNvPicPr>
+          <p:nvPr/>
+        </p:nvPicPr>
+        <p:blipFill>
+          <a:blip r:embed="rId3">
+            <a:extLst>
+              <a:ext uri="{28A0092B-C50C-407E-A947-70E740481C1C}">
+                <a14:useLocalDpi xmlns:a14="http://schemas.microsoft.com/office/drawing/2010/main" val="0"/>
+              </a:ext>
+              <a:ext uri="{837473B0-CC2E-450A-ABE3-18F120FF3D39}">
+                <a1611:picAttrSrcUrl xmlns:a1611="http://schemas.microsoft.com/office/drawing/2016/11/main" r:id="rId4"/>
+              </a:ext>
+            </a:extLst>
+          </a:blip>
+          <a:srcRect/>
+          <a:stretch/>
+        </p:blipFill>
+        <p:spPr>
+          <a:xfrm>
+            <a:off x="0" y="0"/>
+            <a:ext cx="12192000" cy="6858000"/>
+          </a:xfrm>
+          <a:prstGeom prst="rect">
+            <a:avLst/>
+          </a:prstGeom>
+          <a:effectLst/>
+        </p:spPr>
+      </p:pic>
+      <p:sp>
+        <p:nvSpPr>
+          <p:cNvPr id="6" name="Rectangle 5">
+            <a:extLst>
+              <a:ext uri="{FF2B5EF4-FFF2-40B4-BE49-F238E27FC236}">
+                <a16:creationId xmlns:a16="http://schemas.microsoft.com/office/drawing/2014/main" id="{F7CBA9DC-8EE3-1F6B-F5BA-9812353B3501}"/>
+              </a:ext>
+            </a:extLst>
+          </p:cNvPr>
+          <p:cNvSpPr/>
+          <p:nvPr/>
+        </p:nvSpPr>
+        <p:spPr>
+          <a:xfrm>
+            <a:off x="557784" y="0"/>
+            <a:ext cx="11634216" cy="6857999"/>
+          </a:xfrm>
+          <a:prstGeom prst="rect">
+            <a:avLst/>
+          </a:prstGeom>
+          <a:solidFill>
+            <a:schemeClr val="bg1">
+              <a:alpha val="80000"/>
+            </a:schemeClr>
+          </a:solidFill>
+          <a:ln>
+            <a:noFill/>
+          </a:ln>
+        </p:spPr>
+        <p:style>
+          <a:lnRef idx="2">
+            <a:schemeClr val="accent1">
+              <a:shade val="15000"/>
+            </a:schemeClr>
+          </a:lnRef>
+          <a:fillRef idx="1">
+            <a:schemeClr val="accent1"/>
+          </a:fillRef>
+          <a:effectRef idx="0">
+            <a:schemeClr val="accent1"/>
+          </a:effectRef>
+          <a:fontRef idx="minor">
+            <a:schemeClr val="lt1"/>
+          </a:fontRef>
+        </p:style>
+        <p:txBody>
+          <a:bodyPr rtlCol="0" anchor="ctr"/>
+          <a:lstStyle/>
+          <a:p>
+            <a:pPr algn="ctr"/>
+            <a:endParaRPr lang="en-GB"/>
+          </a:p>
+        </p:txBody>
+      </p:sp>
       <p:sp>
         <p:nvSpPr>
           <p:cNvPr id="2" name="Title 1">
@@ -3709,113 +4239,12 @@
           <a:chExt cx="0" cy="0"/>
         </a:xfrm>
       </p:grpSpPr>
-      <p:sp>
-        <p:nvSpPr>
-          <p:cNvPr id="2" name="Title 1">
-            <a:extLst>
-              <a:ext uri="{FF2B5EF4-FFF2-40B4-BE49-F238E27FC236}">
-                <a16:creationId xmlns:a16="http://schemas.microsoft.com/office/drawing/2014/main" id="{54D8FA5E-608E-9785-4870-F33ADCD235C3}"/>
-              </a:ext>
-            </a:extLst>
-          </p:cNvPr>
-          <p:cNvSpPr>
-            <a:spLocks noGrp="1"/>
-          </p:cNvSpPr>
-          <p:nvPr>
-            <p:ph type="title"/>
-          </p:nvPr>
-        </p:nvSpPr>
-        <p:spPr/>
-        <p:txBody>
-          <a:bodyPr/>
-          <a:lstStyle/>
-          <a:p>
-            <a:r>
-              <a:rPr lang="en-US" noProof="0" dirty="0"/>
-              <a:t>Solution</a:t>
-            </a:r>
-          </a:p>
-        </p:txBody>
-      </p:sp>
-      <p:sp>
-        <p:nvSpPr>
-          <p:cNvPr id="3" name="Content Placeholder 2">
-            <a:extLst>
-              <a:ext uri="{FF2B5EF4-FFF2-40B4-BE49-F238E27FC236}">
-                <a16:creationId xmlns:a16="http://schemas.microsoft.com/office/drawing/2014/main" id="{BBB55017-29B1-DD47-7E23-472CD48541EE}"/>
-              </a:ext>
-            </a:extLst>
-          </p:cNvPr>
-          <p:cNvSpPr>
-            <a:spLocks noGrp="1"/>
-          </p:cNvSpPr>
-          <p:nvPr>
-            <p:ph idx="1"/>
-          </p:nvPr>
-        </p:nvSpPr>
-        <p:spPr/>
-        <p:txBody>
-          <a:bodyPr/>
-          <a:lstStyle/>
-          <a:p>
-            <a:r>
-              <a:rPr lang="en-US" noProof="0" dirty="0"/>
-              <a:t>Loading and preprocessing data</a:t>
-            </a:r>
-          </a:p>
-          <a:p>
-            <a:pPr lvl="1"/>
-            <a:r>
-              <a:rPr lang="en-US" noProof="0" dirty="0"/>
-              <a:t>Loaded data matching the order of labels</a:t>
-            </a:r>
-          </a:p>
-          <a:p>
-            <a:pPr lvl="1"/>
-            <a:r>
-              <a:rPr lang="en-US" noProof="0" dirty="0"/>
-              <a:t>Z-score normalization</a:t>
-            </a:r>
-          </a:p>
-          <a:p>
-            <a:r>
-              <a:rPr lang="en-US" noProof="0" dirty="0"/>
-              <a:t>Augmentation of class 1 and 2 data</a:t>
-            </a:r>
-          </a:p>
-          <a:p>
-            <a:pPr lvl="1"/>
-            <a:r>
-              <a:rPr lang="en-US" noProof="0" dirty="0"/>
-              <a:t>Larger dataset</a:t>
-            </a:r>
-          </a:p>
-          <a:p>
-            <a:pPr lvl="1"/>
-            <a:r>
-              <a:rPr lang="en-US" noProof="0" dirty="0"/>
-              <a:t>Equal sample distribution</a:t>
-            </a:r>
-          </a:p>
-          <a:p>
-            <a:pPr lvl="1"/>
-            <a:r>
-              <a:rPr lang="en-US" noProof="0" dirty="0"/>
-              <a:t>Augmenting input data with Gaussian noise</a:t>
-            </a:r>
-          </a:p>
-          <a:p>
-            <a:pPr lvl="2"/>
-            <a:endParaRPr lang="en-US" noProof="0" dirty="0"/>
-          </a:p>
-        </p:txBody>
-      </p:sp>
       <p:pic>
         <p:nvPicPr>
-          <p:cNvPr id="5" name="Picture 4">
-            <a:extLst>
-              <a:ext uri="{FF2B5EF4-FFF2-40B4-BE49-F238E27FC236}">
-                <a16:creationId xmlns:a16="http://schemas.microsoft.com/office/drawing/2014/main" id="{B62CF923-CC29-34A6-0E73-24B2312DDB98}"/>
+          <p:cNvPr id="8" name="Picture 7">
+            <a:extLst>
+              <a:ext uri="{FF2B5EF4-FFF2-40B4-BE49-F238E27FC236}">
+                <a16:creationId xmlns:a16="http://schemas.microsoft.com/office/drawing/2014/main" id="{9455B683-8274-D832-39DD-DCC4FA0A55A7}"/>
               </a:ext>
             </a:extLst>
           </p:cNvPr>
@@ -3826,6 +4255,199 @@
         </p:nvPicPr>
         <p:blipFill>
           <a:blip r:embed="rId2">
+            <a:extLst>
+              <a:ext uri="{28A0092B-C50C-407E-A947-70E740481C1C}">
+                <a14:useLocalDpi xmlns:a14="http://schemas.microsoft.com/office/drawing/2010/main" val="0"/>
+              </a:ext>
+              <a:ext uri="{837473B0-CC2E-450A-ABE3-18F120FF3D39}">
+                <a1611:picAttrSrcUrl xmlns:a1611="http://schemas.microsoft.com/office/drawing/2016/11/main" r:id="rId3"/>
+              </a:ext>
+            </a:extLst>
+          </a:blip>
+          <a:srcRect l="10391" t="9249" r="8109" b="9251"/>
+          <a:stretch/>
+        </p:blipFill>
+        <p:spPr>
+          <a:xfrm>
+            <a:off x="0" y="0"/>
+            <a:ext cx="12192000" cy="6857999"/>
+          </a:xfrm>
+          <a:prstGeom prst="rect">
+            <a:avLst/>
+          </a:prstGeom>
+        </p:spPr>
+      </p:pic>
+      <p:sp>
+        <p:nvSpPr>
+          <p:cNvPr id="10" name="Rectangle 9">
+            <a:extLst>
+              <a:ext uri="{FF2B5EF4-FFF2-40B4-BE49-F238E27FC236}">
+                <a16:creationId xmlns:a16="http://schemas.microsoft.com/office/drawing/2014/main" id="{5C5A6ED7-E288-7CCD-40EF-82F1D9EDDECE}"/>
+              </a:ext>
+            </a:extLst>
+          </p:cNvPr>
+          <p:cNvSpPr/>
+          <p:nvPr/>
+        </p:nvSpPr>
+        <p:spPr>
+          <a:xfrm>
+            <a:off x="557784" y="0"/>
+            <a:ext cx="11634216" cy="6857999"/>
+          </a:xfrm>
+          <a:prstGeom prst="rect">
+            <a:avLst/>
+          </a:prstGeom>
+          <a:solidFill>
+            <a:schemeClr val="bg1">
+              <a:alpha val="80000"/>
+            </a:schemeClr>
+          </a:solidFill>
+          <a:ln>
+            <a:noFill/>
+          </a:ln>
+        </p:spPr>
+        <p:style>
+          <a:lnRef idx="2">
+            <a:schemeClr val="accent1">
+              <a:shade val="15000"/>
+            </a:schemeClr>
+          </a:lnRef>
+          <a:fillRef idx="1">
+            <a:schemeClr val="accent1"/>
+          </a:fillRef>
+          <a:effectRef idx="0">
+            <a:schemeClr val="accent1"/>
+          </a:effectRef>
+          <a:fontRef idx="minor">
+            <a:schemeClr val="lt1"/>
+          </a:fontRef>
+        </p:style>
+        <p:txBody>
+          <a:bodyPr rtlCol="0" anchor="ctr"/>
+          <a:lstStyle/>
+          <a:p>
+            <a:pPr algn="ctr"/>
+            <a:endParaRPr lang="en-GB"/>
+          </a:p>
+        </p:txBody>
+      </p:sp>
+      <p:sp>
+        <p:nvSpPr>
+          <p:cNvPr id="2" name="Title 1">
+            <a:extLst>
+              <a:ext uri="{FF2B5EF4-FFF2-40B4-BE49-F238E27FC236}">
+                <a16:creationId xmlns:a16="http://schemas.microsoft.com/office/drawing/2014/main" id="{54D8FA5E-608E-9785-4870-F33ADCD235C3}"/>
+              </a:ext>
+            </a:extLst>
+          </p:cNvPr>
+          <p:cNvSpPr>
+            <a:spLocks noGrp="1"/>
+          </p:cNvSpPr>
+          <p:nvPr>
+            <p:ph type="title"/>
+          </p:nvPr>
+        </p:nvSpPr>
+        <p:spPr/>
+        <p:txBody>
+          <a:bodyPr/>
+          <a:lstStyle/>
+          <a:p>
+            <a:r>
+              <a:rPr lang="en-US" noProof="0" dirty="0"/>
+              <a:t>Solution</a:t>
+            </a:r>
+          </a:p>
+        </p:txBody>
+      </p:sp>
+      <p:sp>
+        <p:nvSpPr>
+          <p:cNvPr id="3" name="Content Placeholder 2">
+            <a:extLst>
+              <a:ext uri="{FF2B5EF4-FFF2-40B4-BE49-F238E27FC236}">
+                <a16:creationId xmlns:a16="http://schemas.microsoft.com/office/drawing/2014/main" id="{BBB55017-29B1-DD47-7E23-472CD48541EE}"/>
+              </a:ext>
+            </a:extLst>
+          </p:cNvPr>
+          <p:cNvSpPr>
+            <a:spLocks noGrp="1"/>
+          </p:cNvSpPr>
+          <p:nvPr>
+            <p:ph idx="1"/>
+          </p:nvPr>
+        </p:nvSpPr>
+        <p:spPr/>
+        <p:txBody>
+          <a:bodyPr/>
+          <a:lstStyle/>
+          <a:p>
+            <a:r>
+              <a:rPr lang="en-US" noProof="0" dirty="0"/>
+              <a:t>Loading and preprocessing data</a:t>
+            </a:r>
+          </a:p>
+          <a:p>
+            <a:pPr lvl="1"/>
+            <a:r>
+              <a:rPr lang="en-US" noProof="0" dirty="0"/>
+              <a:t>Loaded data matching the order of labels</a:t>
+            </a:r>
+          </a:p>
+          <a:p>
+            <a:pPr lvl="1"/>
+            <a:r>
+              <a:rPr lang="en-US" noProof="0" dirty="0"/>
+              <a:t>Z-score normalization</a:t>
+            </a:r>
+          </a:p>
+          <a:p>
+            <a:r>
+              <a:rPr lang="en-US" noProof="0" dirty="0"/>
+              <a:t>Augmentation of class 1 and 2 data</a:t>
+            </a:r>
+          </a:p>
+          <a:p>
+            <a:pPr lvl="1"/>
+            <a:r>
+              <a:rPr lang="en-US" noProof="0" dirty="0"/>
+              <a:t>Larger dataset</a:t>
+            </a:r>
+          </a:p>
+          <a:p>
+            <a:pPr lvl="1"/>
+            <a:r>
+              <a:rPr lang="en-US" noProof="0" dirty="0"/>
+              <a:t>Equal sample distribution</a:t>
+            </a:r>
+          </a:p>
+          <a:p>
+            <a:pPr lvl="1"/>
+            <a:r>
+              <a:rPr lang="en-US" noProof="0" dirty="0"/>
+              <a:t>Augmenting input data with Gaussian noise</a:t>
+            </a:r>
+          </a:p>
+          <a:p>
+            <a:pPr lvl="2"/>
+            <a:endParaRPr lang="en-US" noProof="0" dirty="0"/>
+          </a:p>
+        </p:txBody>
+      </p:sp>
+      <p:pic>
+        <p:nvPicPr>
+          <p:cNvPr id="5" name="Picture 4">
+            <a:extLst>
+              <a:ext uri="{FF2B5EF4-FFF2-40B4-BE49-F238E27FC236}">
+                <a16:creationId xmlns:a16="http://schemas.microsoft.com/office/drawing/2014/main" id="{B62CF923-CC29-34A6-0E73-24B2312DDB98}"/>
+              </a:ext>
+            </a:extLst>
+          </p:cNvPr>
+          <p:cNvPicPr>
+            <a:picLocks noChangeAspect="1"/>
+          </p:cNvPicPr>
+          <p:nvPr/>
+        </p:nvPicPr>
+        <p:blipFill>
+          <a:blip r:embed="rId4">
             <a:extLst>
               <a:ext uri="{28A0092B-C50C-407E-A947-70E740481C1C}">
                 <a14:useLocalDpi xmlns:a14="http://schemas.microsoft.com/office/drawing/2010/main" val="0"/>
@@ -3875,6 +4497,98 @@
           <a:chExt cx="0" cy="0"/>
         </a:xfrm>
       </p:grpSpPr>
+      <p:pic>
+        <p:nvPicPr>
+          <p:cNvPr id="4" name="Picture 3">
+            <a:extLst>
+              <a:ext uri="{FF2B5EF4-FFF2-40B4-BE49-F238E27FC236}">
+                <a16:creationId xmlns:a16="http://schemas.microsoft.com/office/drawing/2014/main" id="{E84F67DB-C68D-1199-284F-BCF823BD8CBB}"/>
+              </a:ext>
+            </a:extLst>
+          </p:cNvPr>
+          <p:cNvPicPr>
+            <a:picLocks noChangeAspect="1"/>
+          </p:cNvPicPr>
+          <p:nvPr/>
+        </p:nvPicPr>
+        <p:blipFill>
+          <a:blip r:embed="rId2">
+            <a:extLst>
+              <a:ext uri="{28A0092B-C50C-407E-A947-70E740481C1C}">
+                <a14:useLocalDpi xmlns:a14="http://schemas.microsoft.com/office/drawing/2010/main" val="0"/>
+              </a:ext>
+              <a:ext uri="{837473B0-CC2E-450A-ABE3-18F120FF3D39}">
+                <a1611:picAttrSrcUrl xmlns:a1611="http://schemas.microsoft.com/office/drawing/2016/11/main" r:id="rId3"/>
+              </a:ext>
+            </a:extLst>
+          </a:blip>
+          <a:srcRect l="10391" t="9249" r="8109" b="9251"/>
+          <a:stretch/>
+        </p:blipFill>
+        <p:spPr>
+          <a:xfrm>
+            <a:off x="0" y="0"/>
+            <a:ext cx="12192000" cy="6858000"/>
+          </a:xfrm>
+          <a:prstGeom prst="rect">
+            <a:avLst/>
+          </a:prstGeom>
+        </p:spPr>
+      </p:pic>
+      <p:sp>
+        <p:nvSpPr>
+          <p:cNvPr id="5" name="Rectangle 4">
+            <a:extLst>
+              <a:ext uri="{FF2B5EF4-FFF2-40B4-BE49-F238E27FC236}">
+                <a16:creationId xmlns:a16="http://schemas.microsoft.com/office/drawing/2014/main" id="{6992F61E-5F5C-3EDC-6825-5E01E93661D1}"/>
+              </a:ext>
+            </a:extLst>
+          </p:cNvPr>
+          <p:cNvSpPr/>
+          <p:nvPr/>
+        </p:nvSpPr>
+        <p:spPr>
+          <a:xfrm>
+            <a:off x="557784" y="0"/>
+            <a:ext cx="11634216" cy="6857999"/>
+          </a:xfrm>
+          <a:prstGeom prst="rect">
+            <a:avLst/>
+          </a:prstGeom>
+          <a:solidFill>
+            <a:schemeClr val="bg1">
+              <a:alpha val="80000"/>
+            </a:schemeClr>
+          </a:solidFill>
+          <a:ln>
+            <a:noFill/>
+          </a:ln>
+        </p:spPr>
+        <p:style>
+          <a:lnRef idx="2">
+            <a:schemeClr val="accent1">
+              <a:shade val="15000"/>
+            </a:schemeClr>
+          </a:lnRef>
+          <a:fillRef idx="1">
+            <a:schemeClr val="accent1"/>
+          </a:fillRef>
+          <a:effectRef idx="0">
+            <a:schemeClr val="accent1"/>
+          </a:effectRef>
+          <a:fontRef idx="minor">
+            <a:schemeClr val="lt1"/>
+          </a:fontRef>
+        </p:style>
+        <p:txBody>
+          <a:bodyPr rtlCol="0" anchor="ctr"/>
+          <a:lstStyle/>
+          <a:p>
+            <a:pPr algn="ctr"/>
+            <a:endParaRPr lang="en-GB"/>
+          </a:p>
+        </p:txBody>
+      </p:sp>
       <p:sp>
         <p:nvSpPr>
           <p:cNvPr id="2" name="Title 1">
@@ -4033,107 +4747,12 @@
           <a:chExt cx="0" cy="0"/>
         </a:xfrm>
       </p:grpSpPr>
-      <p:sp>
-        <p:nvSpPr>
-          <p:cNvPr id="2" name="Title 1">
-            <a:extLst>
-              <a:ext uri="{FF2B5EF4-FFF2-40B4-BE49-F238E27FC236}">
-                <a16:creationId xmlns:a16="http://schemas.microsoft.com/office/drawing/2014/main" id="{EAFC63DB-414D-E4E0-A769-24BCFDD6EBB5}"/>
-              </a:ext>
-            </a:extLst>
-          </p:cNvPr>
-          <p:cNvSpPr>
-            <a:spLocks noGrp="1"/>
-          </p:cNvSpPr>
-          <p:nvPr>
-            <p:ph type="title"/>
-          </p:nvPr>
-        </p:nvSpPr>
-        <p:spPr/>
-        <p:txBody>
-          <a:bodyPr/>
-          <a:lstStyle/>
-          <a:p>
-            <a:r>
-              <a:rPr lang="cs-CZ" noProof="0" dirty="0" err="1"/>
-              <a:t>Results</a:t>
-            </a:r>
-            <a:endParaRPr lang="en-US" noProof="0" dirty="0"/>
-          </a:p>
-        </p:txBody>
-      </p:sp>
-      <p:sp>
-        <p:nvSpPr>
-          <p:cNvPr id="3" name="Content Placeholder 2">
-            <a:extLst>
-              <a:ext uri="{FF2B5EF4-FFF2-40B4-BE49-F238E27FC236}">
-                <a16:creationId xmlns:a16="http://schemas.microsoft.com/office/drawing/2014/main" id="{F2B2EA1F-C893-0163-EB57-AEC8997AB2F4}"/>
-              </a:ext>
-            </a:extLst>
-          </p:cNvPr>
-          <p:cNvSpPr>
-            <a:spLocks noGrp="1"/>
-          </p:cNvSpPr>
-          <p:nvPr>
-            <p:ph idx="1"/>
-          </p:nvPr>
-        </p:nvSpPr>
-        <p:spPr>
-          <a:xfrm>
-            <a:off x="838200" y="1439731"/>
-            <a:ext cx="10515600" cy="4351338"/>
-          </a:xfrm>
-        </p:spPr>
-        <p:txBody>
-          <a:bodyPr/>
-          <a:lstStyle/>
-          <a:p>
-            <a:r>
-              <a:rPr lang="en-US" noProof="0" dirty="0"/>
-              <a:t>Model validation</a:t>
-            </a:r>
-          </a:p>
-          <a:p>
-            <a:pPr lvl="1"/>
-            <a:r>
-              <a:rPr lang="en-US" noProof="0" dirty="0"/>
-              <a:t>The best 5 </a:t>
-            </a:r>
-            <a:r>
-              <a:rPr lang="en-US" noProof="0" dirty="0" err="1"/>
-              <a:t>Keras</a:t>
-            </a:r>
-            <a:r>
-              <a:rPr lang="en-US" noProof="0" dirty="0"/>
-              <a:t> Tuner models were picked (based on validation accuracy), and the one with the least trainable parameters was chosen</a:t>
-            </a:r>
-          </a:p>
-          <a:p>
-            <a:pPr lvl="2"/>
-            <a:r>
-              <a:rPr lang="en-US" noProof="0" dirty="0"/>
-              <a:t>Memory optimization</a:t>
-            </a:r>
-          </a:p>
-          <a:p>
-            <a:pPr lvl="2"/>
-            <a:r>
-              <a:rPr lang="en-US" noProof="0" dirty="0"/>
-              <a:t>Preventing overlearning</a:t>
-            </a:r>
-          </a:p>
-          <a:p>
-            <a:pPr lvl="1"/>
-            <a:endParaRPr lang="en-US" noProof="0" dirty="0"/>
-          </a:p>
-        </p:txBody>
-      </p:sp>
       <p:pic>
         <p:nvPicPr>
-          <p:cNvPr id="5" name="Picture 4">
-            <a:extLst>
-              <a:ext uri="{FF2B5EF4-FFF2-40B4-BE49-F238E27FC236}">
-                <a16:creationId xmlns:a16="http://schemas.microsoft.com/office/drawing/2014/main" id="{0C400C78-6D10-CB49-C011-E04A2FD78BEC}"/>
+          <p:cNvPr id="6" name="Picture 5">
+            <a:extLst>
+              <a:ext uri="{FF2B5EF4-FFF2-40B4-BE49-F238E27FC236}">
+                <a16:creationId xmlns:a16="http://schemas.microsoft.com/office/drawing/2014/main" id="{B03A2C87-A32A-9E20-870F-BBC59CE7DB11}"/>
               </a:ext>
             </a:extLst>
           </p:cNvPr>
@@ -4144,6 +4763,193 @@
         </p:nvPicPr>
         <p:blipFill>
           <a:blip r:embed="rId2">
+            <a:extLst>
+              <a:ext uri="{28A0092B-C50C-407E-A947-70E740481C1C}">
+                <a14:useLocalDpi xmlns:a14="http://schemas.microsoft.com/office/drawing/2010/main" val="0"/>
+              </a:ext>
+              <a:ext uri="{837473B0-CC2E-450A-ABE3-18F120FF3D39}">
+                <a1611:picAttrSrcUrl xmlns:a1611="http://schemas.microsoft.com/office/drawing/2016/11/main" r:id="rId3"/>
+              </a:ext>
+            </a:extLst>
+          </a:blip>
+          <a:srcRect l="3704" r="3704"/>
+          <a:stretch/>
+        </p:blipFill>
+        <p:spPr>
+          <a:xfrm>
+            <a:off x="0" y="0"/>
+            <a:ext cx="12192000" cy="6857999"/>
+          </a:xfrm>
+          <a:prstGeom prst="rect">
+            <a:avLst/>
+          </a:prstGeom>
+        </p:spPr>
+      </p:pic>
+      <p:sp>
+        <p:nvSpPr>
+          <p:cNvPr id="7" name="Rectangle 6">
+            <a:extLst>
+              <a:ext uri="{FF2B5EF4-FFF2-40B4-BE49-F238E27FC236}">
+                <a16:creationId xmlns:a16="http://schemas.microsoft.com/office/drawing/2014/main" id="{70102D8E-BD67-39A6-5D11-EACE94E7AC05}"/>
+              </a:ext>
+            </a:extLst>
+          </p:cNvPr>
+          <p:cNvSpPr/>
+          <p:nvPr/>
+        </p:nvSpPr>
+        <p:spPr>
+          <a:xfrm>
+            <a:off x="557784" y="0"/>
+            <a:ext cx="11634216" cy="6857999"/>
+          </a:xfrm>
+          <a:prstGeom prst="rect">
+            <a:avLst/>
+          </a:prstGeom>
+          <a:solidFill>
+            <a:schemeClr val="bg1">
+              <a:alpha val="80000"/>
+            </a:schemeClr>
+          </a:solidFill>
+          <a:ln>
+            <a:noFill/>
+          </a:ln>
+        </p:spPr>
+        <p:style>
+          <a:lnRef idx="2">
+            <a:schemeClr val="accent1">
+              <a:shade val="15000"/>
+            </a:schemeClr>
+          </a:lnRef>
+          <a:fillRef idx="1">
+            <a:schemeClr val="accent1"/>
+          </a:fillRef>
+          <a:effectRef idx="0">
+            <a:schemeClr val="accent1"/>
+          </a:effectRef>
+          <a:fontRef idx="minor">
+            <a:schemeClr val="lt1"/>
+          </a:fontRef>
+        </p:style>
+        <p:txBody>
+          <a:bodyPr rtlCol="0" anchor="ctr"/>
+          <a:lstStyle/>
+          <a:p>
+            <a:pPr algn="ctr"/>
+            <a:endParaRPr lang="en-GB"/>
+          </a:p>
+        </p:txBody>
+      </p:sp>
+      <p:sp>
+        <p:nvSpPr>
+          <p:cNvPr id="2" name="Title 1">
+            <a:extLst>
+              <a:ext uri="{FF2B5EF4-FFF2-40B4-BE49-F238E27FC236}">
+                <a16:creationId xmlns:a16="http://schemas.microsoft.com/office/drawing/2014/main" id="{EAFC63DB-414D-E4E0-A769-24BCFDD6EBB5}"/>
+              </a:ext>
+            </a:extLst>
+          </p:cNvPr>
+          <p:cNvSpPr>
+            <a:spLocks noGrp="1"/>
+          </p:cNvSpPr>
+          <p:nvPr>
+            <p:ph type="title"/>
+          </p:nvPr>
+        </p:nvSpPr>
+        <p:spPr/>
+        <p:txBody>
+          <a:bodyPr/>
+          <a:lstStyle/>
+          <a:p>
+            <a:r>
+              <a:rPr lang="cs-CZ" noProof="0" dirty="0" err="1"/>
+              <a:t>Results</a:t>
+            </a:r>
+            <a:endParaRPr lang="en-US" noProof="0" dirty="0"/>
+          </a:p>
+        </p:txBody>
+      </p:sp>
+      <p:sp>
+        <p:nvSpPr>
+          <p:cNvPr id="3" name="Content Placeholder 2">
+            <a:extLst>
+              <a:ext uri="{FF2B5EF4-FFF2-40B4-BE49-F238E27FC236}">
+                <a16:creationId xmlns:a16="http://schemas.microsoft.com/office/drawing/2014/main" id="{F2B2EA1F-C893-0163-EB57-AEC8997AB2F4}"/>
+              </a:ext>
+            </a:extLst>
+          </p:cNvPr>
+          <p:cNvSpPr>
+            <a:spLocks noGrp="1"/>
+          </p:cNvSpPr>
+          <p:nvPr>
+            <p:ph idx="1"/>
+          </p:nvPr>
+        </p:nvSpPr>
+        <p:spPr>
+          <a:xfrm>
+            <a:off x="838200" y="1439731"/>
+            <a:ext cx="10515600" cy="4351338"/>
+          </a:xfrm>
+        </p:spPr>
+        <p:txBody>
+          <a:bodyPr/>
+          <a:lstStyle/>
+          <a:p>
+            <a:r>
+              <a:rPr lang="en-US" noProof="0" dirty="0"/>
+              <a:t>Model validation</a:t>
+            </a:r>
+          </a:p>
+          <a:p>
+            <a:pPr lvl="1"/>
+            <a:r>
+              <a:rPr lang="en-US" noProof="0" dirty="0"/>
+              <a:t>The best 5 </a:t>
+            </a:r>
+            <a:r>
+              <a:rPr lang="en-US" noProof="0" dirty="0" err="1"/>
+              <a:t>Keras</a:t>
+            </a:r>
+            <a:r>
+              <a:rPr lang="en-US" noProof="0" dirty="0"/>
+              <a:t> Tuner models were picked (based on validation accuracy), and the one with the least trainable parameters was chosen</a:t>
+            </a:r>
+          </a:p>
+          <a:p>
+            <a:pPr lvl="2"/>
+            <a:r>
+              <a:rPr lang="en-US" noProof="0" dirty="0"/>
+              <a:t>Memory optimization</a:t>
+            </a:r>
+          </a:p>
+          <a:p>
+            <a:pPr lvl="2"/>
+            <a:r>
+              <a:rPr lang="en-US" noProof="0" dirty="0"/>
+              <a:t>Preventing overlearning</a:t>
+            </a:r>
+          </a:p>
+          <a:p>
+            <a:pPr lvl="1"/>
+            <a:endParaRPr lang="en-US" noProof="0" dirty="0"/>
+          </a:p>
+        </p:txBody>
+      </p:sp>
+      <p:pic>
+        <p:nvPicPr>
+          <p:cNvPr id="5" name="Picture 4">
+            <a:extLst>
+              <a:ext uri="{FF2B5EF4-FFF2-40B4-BE49-F238E27FC236}">
+                <a16:creationId xmlns:a16="http://schemas.microsoft.com/office/drawing/2014/main" id="{0C400C78-6D10-CB49-C011-E04A2FD78BEC}"/>
+              </a:ext>
+            </a:extLst>
+          </p:cNvPr>
+          <p:cNvPicPr>
+            <a:picLocks noChangeAspect="1"/>
+          </p:cNvPicPr>
+          <p:nvPr/>
+        </p:nvPicPr>
+        <p:blipFill>
+          <a:blip r:embed="rId4">
             <a:extLst>
               <a:ext uri="{28A0092B-C50C-407E-A947-70E740481C1C}">
                 <a14:useLocalDpi xmlns:a14="http://schemas.microsoft.com/office/drawing/2010/main" val="0"/>
@@ -4179,7 +4985,7 @@
           <p:nvPr/>
         </p:nvPicPr>
         <p:blipFill>
-          <a:blip r:embed="rId3">
+          <a:blip r:embed="rId5">
             <a:extLst>
               <a:ext uri="{28A0092B-C50C-407E-A947-70E740481C1C}">
                 <a14:useLocalDpi xmlns:a14="http://schemas.microsoft.com/office/drawing/2010/main" val="0"/>
@@ -4230,6 +5036,98 @@
           <a:chExt cx="0" cy="0"/>
         </a:xfrm>
       </p:grpSpPr>
+      <p:pic>
+        <p:nvPicPr>
+          <p:cNvPr id="4" name="Picture 3">
+            <a:extLst>
+              <a:ext uri="{FF2B5EF4-FFF2-40B4-BE49-F238E27FC236}">
+                <a16:creationId xmlns:a16="http://schemas.microsoft.com/office/drawing/2014/main" id="{627CE2A9-9459-791A-944E-ABA3FE51F019}"/>
+              </a:ext>
+            </a:extLst>
+          </p:cNvPr>
+          <p:cNvPicPr>
+            <a:picLocks noChangeAspect="1"/>
+          </p:cNvPicPr>
+          <p:nvPr/>
+        </p:nvPicPr>
+        <p:blipFill>
+          <a:blip r:embed="rId2">
+            <a:extLst>
+              <a:ext uri="{28A0092B-C50C-407E-A947-70E740481C1C}">
+                <a14:useLocalDpi xmlns:a14="http://schemas.microsoft.com/office/drawing/2010/main" val="0"/>
+              </a:ext>
+              <a:ext uri="{837473B0-CC2E-450A-ABE3-18F120FF3D39}">
+                <a1611:picAttrSrcUrl xmlns:a1611="http://schemas.microsoft.com/office/drawing/2016/11/main" r:id="rId3"/>
+              </a:ext>
+            </a:extLst>
+          </a:blip>
+          <a:srcRect l="3704" r="3704"/>
+          <a:stretch/>
+        </p:blipFill>
+        <p:spPr>
+          <a:xfrm>
+            <a:off x="0" y="0"/>
+            <a:ext cx="12192000" cy="6857999"/>
+          </a:xfrm>
+          <a:prstGeom prst="rect">
+            <a:avLst/>
+          </a:prstGeom>
+        </p:spPr>
+      </p:pic>
+      <p:sp>
+        <p:nvSpPr>
+          <p:cNvPr id="5" name="Rectangle 4">
+            <a:extLst>
+              <a:ext uri="{FF2B5EF4-FFF2-40B4-BE49-F238E27FC236}">
+                <a16:creationId xmlns:a16="http://schemas.microsoft.com/office/drawing/2014/main" id="{A1F3B82A-DFEF-B3B1-CAF7-DECF55CFBE6B}"/>
+              </a:ext>
+            </a:extLst>
+          </p:cNvPr>
+          <p:cNvSpPr/>
+          <p:nvPr/>
+        </p:nvSpPr>
+        <p:spPr>
+          <a:xfrm>
+            <a:off x="557784" y="0"/>
+            <a:ext cx="11634216" cy="6857999"/>
+          </a:xfrm>
+          <a:prstGeom prst="rect">
+            <a:avLst/>
+          </a:prstGeom>
+          <a:solidFill>
+            <a:schemeClr val="bg1">
+              <a:alpha val="80000"/>
+            </a:schemeClr>
+          </a:solidFill>
+          <a:ln>
+            <a:noFill/>
+          </a:ln>
+        </p:spPr>
+        <p:style>
+          <a:lnRef idx="2">
+            <a:schemeClr val="accent1">
+              <a:shade val="15000"/>
+            </a:schemeClr>
+          </a:lnRef>
+          <a:fillRef idx="1">
+            <a:schemeClr val="accent1"/>
+          </a:fillRef>
+          <a:effectRef idx="0">
+            <a:schemeClr val="accent1"/>
+          </a:effectRef>
+          <a:fontRef idx="minor">
+            <a:schemeClr val="lt1"/>
+          </a:fontRef>
+        </p:style>
+        <p:txBody>
+          <a:bodyPr rtlCol="0" anchor="ctr"/>
+          <a:lstStyle/>
+          <a:p>
+            <a:pPr algn="ctr"/>
+            <a:endParaRPr lang="en-GB"/>
+          </a:p>
+        </p:txBody>
+      </p:sp>
       <p:sp>
         <p:nvSpPr>
           <p:cNvPr id="2" name="Title 1">
@@ -4282,7 +5180,19 @@
           <a:p>
             <a:r>
               <a:rPr lang="en-US" noProof="0" dirty="0"/>
-              <a:t>Final model accuracy of 99.116% (119 out of 120 test samples)</a:t>
+              <a:t>Final model accuracy of 99.116</a:t>
+            </a:r>
+            <a:r>
+              <a:rPr lang="cs-CZ" noProof="0"/>
+              <a:t> </a:t>
+            </a:r>
+            <a:r>
+              <a:rPr lang="en-US" noProof="0"/>
+              <a:t>% </a:t>
+            </a:r>
+            <a:r>
+              <a:rPr lang="en-US" noProof="0" dirty="0"/>
+              <a:t>(119 out of 120 test samples)</a:t>
             </a:r>
           </a:p>
           <a:p>
@@ -4602,4 +5512,299 @@
     </a:ext>
   </a:extLst>
 </a:theme>
+</file>
+
+<file path=ppt/theme/theme2.xml><?xml version="1.0" encoding="utf-8"?>
+<a:theme xmlns:a="http://schemas.openxmlformats.org/drawingml/2006/main" name="Office Theme">
+  <a:themeElements>
+    <a:clrScheme name="Office">
+      <a:dk1>
+        <a:sysClr val="windowText" lastClr="000000"/>
+      </a:dk1>
+      <a:lt1>
+        <a:sysClr val="window" lastClr="FFFFFF"/>
+      </a:lt1>
+      <a:dk2>
+        <a:srgbClr val="44546A"/>
+      </a:dk2>
+      <a:lt2>
+        <a:srgbClr val="E7E6E6"/>
+      </a:lt2>
+      <a:accent1>
+        <a:srgbClr val="4472C4"/>
+      </a:accent1>
+      <a:accent2>
+        <a:srgbClr val="ED7D31"/>
+      </a:accent2>
+      <a:accent3>
+        <a:srgbClr val="A5A5A5"/>
+      </a:accent3>
+      <a:accent4>
+        <a:srgbClr val="FFC000"/>
+      </a:accent4>
+      <a:accent5>
+        <a:srgbClr val="5B9BD5"/>
+      </a:accent5>
+      <a:accent6>
+        <a:srgbClr val="70AD47"/>
+      </a:accent6>
+      <a:hlink>
+        <a:srgbClr val="0563C1"/>
+      </a:hlink>
+      <a:folHlink>
+        <a:srgbClr val="954F72"/>
+      </a:folHlink>
+    </a:clrScheme>
+    <a:fontScheme name="Office">
+      <a:majorFont>
+        <a:latin typeface="Calibri Light" panose="020F0302020204030204"/>
+        <a:ea typeface=""/>
+        <a:cs typeface=""/>
+        <a:font script="Jpan" typeface="游ゴシック Light"/>
+        <a:font script="Hang" typeface="맑은 고딕"/>
+        <a:font script="Hans" typeface="等线 Light"/>
+        <a:font script="Hant" typeface="新細明體"/>
+        <a:font script="Arab" typeface="Times New Roman"/>
+        <a:font script="Hebr" typeface="Times New Roman"/>
+        <a:font script="Thai" typeface="Angsana New"/>
+        <a:font script="Ethi" typeface="Nyala"/>
+        <a:font script="Beng" typeface="Vrinda"/>
+        <a:font script="Gujr" typeface="Shruti"/>
+        <a:font script="Khmr" typeface="MoolBoran"/>
+        <a:font script="Knda" typeface="Tunga"/>
+        <a:font script="Guru" typeface="Raavi"/>
+        <a:font script="Cans" typeface="Euphemia"/>
+        <a:font script="Cher" typeface="Plantagenet Cherokee"/>
+        <a:font script="Yiii" typeface="Microsoft Yi Baiti"/>
+        <a:font script="Tibt" typeface="Microsoft Himalaya"/>
+        <a:font script="Thaa" typeface="MV Boli"/>
+        <a:font script="Deva" typeface="Mangal"/>
+        <a:font script="Telu" typeface="Gautami"/>
+        <a:font script="Taml" typeface="Latha"/>
+        <a:font script="Syrc" typeface="Estrangelo Edessa"/>
+        <a:font script="Orya" typeface="Kalinga"/>
+        <a:font script="Mlym" typeface="Kartika"/>
+        <a:font script="Laoo" typeface="DokChampa"/>
+        <a:font script="Sinh" typeface="Iskoola Pota"/>
+        <a:font script="Mong" typeface="Mongolian Baiti"/>
+        <a:font script="Viet" typeface="Times New Roman"/>
+        <a:font script="Uigh" typeface="Microsoft Uighur"/>
+        <a:font script="Geor" typeface="Sylfaen"/>
+        <a:font script="Armn" typeface="Arial"/>
+        <a:font script="Bugi" typeface="Leelawadee UI"/>
+        <a:font script="Bopo" typeface="Microsoft JhengHei"/>
+        <a:font script="Java" typeface="Javanese Text"/>
+        <a:font script="Lisu" typeface="Segoe UI"/>
+        <a:font script="Mymr" typeface="Myanmar Text"/>
+        <a:font script="Nkoo" typeface="Ebrima"/>
+        <a:font script="Olck" typeface="Nirmala UI"/>
+        <a:font script="Osma" typeface="Ebrima"/>
+        <a:font script="Phag" typeface="Phagspa"/>
+        <a:font script="Syrn" typeface="Estrangelo Edessa"/>
+        <a:font script="Syrj" typeface="Estrangelo Edessa"/>
+        <a:font script="Syre" typeface="Estrangelo Edessa"/>
+        <a:font script="Sora" typeface="Nirmala UI"/>
+        <a:font script="Tale" typeface="Microsoft Tai Le"/>
+        <a:font script="Talu" typeface="Microsoft New Tai Lue"/>
+        <a:font script="Tfng" typeface="Ebrima"/>
+      </a:majorFont>
+      <a:minorFont>
+        <a:latin typeface="Calibri" panose="020F0502020204030204"/>
+        <a:ea typeface=""/>
+        <a:cs typeface=""/>
+        <a:font script="Jpan" typeface="游ゴシック"/>
+        <a:font script="Hang" typeface="맑은 고딕"/>
+        <a:font script="Hans" typeface="等线"/>
+        <a:font script="Hant" typeface="新細明體"/>
+        <a:font script="Arab" typeface="Arial"/>
+        <a:font script="Hebr" typeface="Arial"/>
+        <a:font script="Thai" typeface="Cordia New"/>
+        <a:font script="Ethi" typeface="Nyala"/>
+        <a:font script="Beng" typeface="Vrinda"/>
+        <a:font script="Gujr" typeface="Shruti"/>
+        <a:font script="Khmr" typeface="DaunPenh"/>
+        <a:font script="Knda" typeface="Tunga"/>
+        <a:font script="Guru" typeface="Raavi"/>
+        <a:font script="Cans" typeface="Euphemia"/>
+        <a:font script="Cher" typeface="Plantagenet Cherokee"/>
+        <a:font script="Yiii" typeface="Microsoft Yi Baiti"/>
+        <a:font script="Tibt" typeface="Microsoft Himalaya"/>
+        <a:font script="Thaa" typeface="MV Boli"/>
+        <a:font script="Deva" typeface="Mangal"/>
+        <a:font script="Telu" typeface="Gautami"/>
+        <a:font script="Taml" typeface="Latha"/>
+        <a:font script="Syrc" typeface="Estrangelo Edessa"/>
+        <a:font script="Orya" typeface="Kalinga"/>
+        <a:font script="Mlym" typeface="Kartika"/>
+        <a:font script="Laoo" typeface="DokChampa"/>
+        <a:font script="Sinh" typeface="Iskoola Pota"/>
+        <a:font script="Mong" typeface="Mongolian Baiti"/>
+        <a:font script="Viet" typeface="Arial"/>
+        <a:font script="Uigh" typeface="Microsoft Uighur"/>
+        <a:font script="Geor" typeface="Sylfaen"/>
+        <a:font script="Armn" typeface="Arial"/>
+        <a:font script="Bugi" typeface="Leelawadee UI"/>
+        <a:font script="Bopo" typeface="Microsoft JhengHei"/>
+        <a:font script="Java" typeface="Javanese Text"/>
+        <a:font script="Lisu" typeface="Segoe UI"/>
+        <a:font script="Mymr" typeface="Myanmar Text"/>
+        <a:font script="Nkoo" typeface="Ebrima"/>
+        <a:font script="Olck" typeface="Nirmala UI"/>
+        <a:font script="Osma" typeface="Ebrima"/>
+        <a:font script="Phag" typeface="Phagspa"/>
+        <a:font script="Syrn" typeface="Estrangelo Edessa"/>
+        <a:font script="Syrj" typeface="Estrangelo Edessa"/>
+        <a:font script="Syre" typeface="Estrangelo Edessa"/>
+        <a:font script="Sora" typeface="Nirmala UI"/>
+        <a:font script="Tale" typeface="Microsoft Tai Le"/>
+        <a:font script="Talu" typeface="Microsoft New Tai Lue"/>
+        <a:font script="Tfng" typeface="Ebrima"/>
+      </a:minorFont>
+    </a:fontScheme>
+    <a:fmtScheme name="Office">
+      <a:fillStyleLst>
+        <a:solidFill>
+          <a:schemeClr val="phClr"/>
+        </a:solidFill>
+        <a:gradFill rotWithShape="1">
+          <a:gsLst>
+            <a:gs pos="0">
+              <a:schemeClr val="phClr">
+                <a:lumMod val="110000"/>
+                <a:satMod val="105000"/>
+                <a:tint val="67000"/>
+              </a:schemeClr>
+            </a:gs>
+            <a:gs pos="50000">
+              <a:schemeClr val="phClr">
+                <a:lumMod val="105000"/>
+                <a:satMod val="103000"/>
+                <a:tint val="73000"/>
+              </a:schemeClr>
+            </a:gs>
+            <a:gs pos="100000">
+              <a:schemeClr val="phClr">
+                <a:lumMod val="105000"/>
+                <a:satMod val="109000"/>
+                <a:tint val="81000"/>
+              </a:schemeClr>
+            </a:gs>
+          </a:gsLst>
+          <a:lin ang="5400000" scaled="0"/>
+        </a:gradFill>
+        <a:gradFill rotWithShape="1">
+          <a:gsLst>
+            <a:gs pos="0">
+              <a:schemeClr val="phClr">
+                <a:satMod val="103000"/>
+                <a:lumMod val="102000"/>
+                <a:tint val="94000"/>
+              </a:schemeClr>
+            </a:gs>
+            <a:gs pos="50000">
+              <a:schemeClr val="phClr">
+                <a:satMod val="110000"/>
+                <a:lumMod val="100000"/>
+                <a:shade val="100000"/>
+              </a:schemeClr>
+            </a:gs>
+            <a:gs pos="100000">
+              <a:schemeClr val="phClr">
+                <a:lumMod val="99000"/>
+                <a:satMod val="120000"/>
+                <a:shade val="78000"/>
+              </a:schemeClr>
+            </a:gs>
+          </a:gsLst>
+          <a:lin ang="5400000" scaled="0"/>
+        </a:gradFill>
+      </a:fillStyleLst>
+      <a:lnStyleLst>
+        <a:ln w="6350" cap="flat" cmpd="sng" algn="ctr">
+          <a:solidFill>
+            <a:schemeClr val="phClr"/>
+          </a:solidFill>
+          <a:prstDash val="solid"/>
+          <a:miter lim="800000"/>
+        </a:ln>
+        <a:ln w="12700" cap="flat" cmpd="sng" algn="ctr">
+          <a:solidFill>
+            <a:schemeClr val="phClr"/>
+          </a:solidFill>
+          <a:prstDash val="solid"/>
+          <a:miter lim="800000"/>
+        </a:ln>
+        <a:ln w="19050" cap="flat" cmpd="sng" algn="ctr">
+          <a:solidFill>
+            <a:schemeClr val="phClr"/>
+          </a:solidFill>
+          <a:prstDash val="solid"/>
+          <a:miter lim="800000"/>
+        </a:ln>
+      </a:lnStyleLst>
+      <a:effectStyleLst>
+        <a:effectStyle>
+          <a:effectLst/>
+        </a:effectStyle>
+        <a:effectStyle>
+          <a:effectLst/>
+        </a:effectStyle>
+        <a:effectStyle>
+          <a:effectLst>
+            <a:outerShdw blurRad="57150" dist="19050" dir="5400000" algn="ctr" rotWithShape="0">
+              <a:srgbClr val="000000">
+                <a:alpha val="63000"/>
+              </a:srgbClr>
+            </a:outerShdw>
+          </a:effectLst>
+        </a:effectStyle>
+      </a:effectStyleLst>
+      <a:bgFillStyleLst>
+        <a:solidFill>
+          <a:schemeClr val="phClr"/>
+        </a:solidFill>
+        <a:solidFill>
+          <a:schemeClr val="phClr">
+            <a:tint val="95000"/>
+            <a:satMod val="170000"/>
+          </a:schemeClr>
+        </a:solidFill>
+        <a:gradFill rotWithShape="1">
+          <a:gsLst>
+            <a:gs pos="0">
+              <a:schemeClr val="phClr">
+                <a:tint val="93000"/>
+                <a:satMod val="150000"/>
+                <a:shade val="98000"/>
+                <a:lumMod val="102000"/>
+              </a:schemeClr>
+            </a:gs>
+            <a:gs pos="50000">
+              <a:schemeClr val="phClr">
+                <a:tint val="98000"/>
+                <a:satMod val="130000"/>
+                <a:shade val="90000"/>
+                <a:lumMod val="103000"/>
+              </a:schemeClr>
+            </a:gs>
+            <a:gs pos="100000">
+              <a:schemeClr val="phClr">
+                <a:shade val="63000"/>
+                <a:satMod val="120000"/>
+              </a:schemeClr>
+            </a:gs>
+          </a:gsLst>
+          <a:lin ang="5400000" scaled="0"/>
+        </a:gradFill>
+      </a:bgFillStyleLst>
+    </a:fmtScheme>
+  </a:themeElements>
+  <a:objectDefaults/>
+  <a:extraClrSchemeLst/>
+  <a:extLst>
+    <a:ext uri="{05A4C25C-085E-4340-85A3-A5531E510DB2}">
+      <thm15:themeFamily xmlns:thm15="http://schemas.microsoft.com/office/thememl/2012/main" name="Office Theme" id="{62F939B6-93AF-4DB8-9C6B-D6C7DFDC589F}" vid="{4A3C46E8-61CC-4603-A589-7422A47A8E4A}"/>
+    </a:ext>
+  </a:extLst>
+</a:theme>
 </file>